--- a/Covid - 19 Analysis Using Power BI and ArcGIS.pptx
+++ b/Covid - 19 Analysis Using Power BI and ArcGIS.pptx
@@ -38,35 +38,18 @@
   <p:notesSz cx="6858000" cy="9144000"/>
   <p:embeddedFontLst>
     <p:embeddedFont>
-      <p:font typeface="Albert Sans" pitchFamily="2" charset="77"/>
+      <p:font typeface="Albert Sans" panose="020B0604020202020204" charset="0"/>
       <p:regular r:id="rId28"/>
-      <p:bold r:id="rId29"/>
-      <p:italic r:id="rId30"/>
-      <p:boldItalic r:id="rId31"/>
-    </p:embeddedFont>
-    <p:embeddedFont>
-      <p:font typeface="Anybody SemiBold" pitchFamily="2" charset="77"/>
-      <p:regular r:id="rId32"/>
-      <p:bold r:id="rId33"/>
-      <p:italic r:id="rId34"/>
-      <p:boldItalic r:id="rId35"/>
+      <p:bold r:id="rId28"/>
+      <p:italic r:id="rId28"/>
+      <p:boldItalic r:id="rId28"/>
     </p:embeddedFont>
     <p:embeddedFont>
       <p:font typeface="Georgia" panose="02040502050405020303" pitchFamily="18" charset="0"/>
-      <p:regular r:id="rId36"/>
-      <p:bold r:id="rId37"/>
-      <p:italic r:id="rId38"/>
-      <p:boldItalic r:id="rId39"/>
-    </p:embeddedFont>
-    <p:embeddedFont>
-      <p:font typeface="Open Sans" panose="020B0606030504020204" pitchFamily="34" charset="0"/>
-      <p:regular r:id="rId40"/>
-      <p:bold r:id="rId41"/>
-    </p:embeddedFont>
-    <p:embeddedFont>
-      <p:font typeface="Roboto Condensed Light" panose="020F0302020204030204" pitchFamily="34" charset="0"/>
-      <p:regular r:id="rId42"/>
-      <p:italic r:id="rId43"/>
+      <p:regular r:id="rId29"/>
+      <p:bold r:id="rId30"/>
+      <p:italic r:id="rId31"/>
+      <p:boldItalic r:id="rId32"/>
     </p:embeddedFont>
   </p:embeddedFontLst>
   <p:defaultTextStyle>
@@ -298,6 +281,11 @@
       </a:defRPr>
     </a:lvl9pPr>
   </p:defaultTextStyle>
+  <p:extLst>
+    <p:ext uri="{EFAFB233-063F-42B5-8137-9DF3F51BA10A}">
+      <p15:sldGuideLst xmlns:p15="http://schemas.microsoft.com/office/powerpoint/2012/main"/>
+    </p:ext>
+  </p:extLst>
 </p:presentation>
 </file>
 
@@ -22745,6 +22733,23 @@
               <a:t>Presented by Amith Joseph</a:t>
             </a:r>
           </a:p>
+          <a:p>
+            <a:pPr marL="0" lvl="0" indent="0" algn="r" rtl="0">
+              <a:spcBef>
+                <a:spcPts val="0"/>
+              </a:spcBef>
+              <a:spcAft>
+                <a:spcPts val="0"/>
+              </a:spcAft>
+              <a:buNone/>
+            </a:pPr>
+            <a:r>
+              <a:rPr lang="en-US" b="1" dirty="0">
+                <a:latin typeface="Georgia" panose="02040502050405020303" pitchFamily="18" charset="0"/>
+              </a:rPr>
+              <a:t>And Chris Crown</a:t>
+            </a:r>
+          </a:p>
         </p:txBody>
       </p:sp>
       <p:cxnSp>
